--- a/PowerpointSlideshow/Final_Project_For_Telerik_School_Academy_2014.pptx
+++ b/PowerpointSlideshow/Final_Project_For_Telerik_School_Academy_2014.pptx
@@ -3705,23 +3705,7 @@
                   <a:srgbClr val="CFE8F9"/>
                 </a:solidFill>
               </a:rPr>
-              <a:t>review statuses</a:t>
-            </a:r>
-            <a:r>
-              <a:rPr lang="en-US" dirty="0" smtClean="0">
-                <a:solidFill>
-                  <a:srgbClr val="CFE8F9"/>
-                </a:solidFill>
-              </a:rPr>
-              <a:t> only</a:t>
-            </a:r>
-            <a:r>
-              <a:rPr lang="en-US" dirty="0" smtClean="0">
-                <a:solidFill>
-                  <a:srgbClr val="CFE8F9"/>
-                </a:solidFill>
-              </a:rPr>
-              <a:t> </a:t>
+              <a:t>review statuses only </a:t>
             </a:r>
             <a:r>
               <a:rPr lang="en-US" dirty="0">
